--- a/Presentations/Presentation_02.pptx
+++ b/Presentations/Presentation_02.pptx
@@ -1174,10 +1174,24 @@
     <dgm:pt modelId="{0197F604-6116-4152-81D9-E7EAF6A40ECF}" type="pres">
       <dgm:prSet presAssocID="{07427649-55DA-4DBD-9B2C-7FA992D6626C}" presName="sibTrans" presStyleLbl="sibTrans2D1" presStyleIdx="3" presStyleCnt="4"/>
       <dgm:spPr/>
+      <dgm:t>
+        <a:bodyPr/>
+        <a:lstStyle/>
+        <a:p>
+          <a:endParaRPr lang="en-GB"/>
+        </a:p>
+      </dgm:t>
     </dgm:pt>
     <dgm:pt modelId="{3F891CF0-D6E6-49D1-872D-D09A4E198325}" type="pres">
       <dgm:prSet presAssocID="{07427649-55DA-4DBD-9B2C-7FA992D6626C}" presName="connectorText" presStyleLbl="sibTrans2D1" presStyleIdx="3" presStyleCnt="4"/>
       <dgm:spPr/>
+      <dgm:t>
+        <a:bodyPr/>
+        <a:lstStyle/>
+        <a:p>
+          <a:endParaRPr lang="en-GB"/>
+        </a:p>
+      </dgm:t>
     </dgm:pt>
   </dgm:ptLst>
   <dgm:cxnLst>
@@ -11896,18 +11910,17 @@
           <a:p>
             <a:r>
               <a:rPr lang="en-GB" dirty="0" smtClean="0"/>
-              <a:t>Appeals to Serious Fun (repetition, zen focus</a:t>
-            </a:r>
+              <a:t>Appeals to Serious Fun (repetition, zen focus).</a:t>
+            </a:r>
+          </a:p>
+          <a:p>
             <a:r>
               <a:rPr lang="en-GB" dirty="0" smtClean="0"/>
-              <a:t>).</a:t>
-            </a:r>
-            <a:endParaRPr lang="en-GB" dirty="0"/>
-          </a:p>
-          <a:p>
+              <a:t>Developed </a:t>
+            </a:r>
             <a:r>
               <a:rPr lang="en-GB" dirty="0" smtClean="0"/>
-              <a:t>Developed for PC.</a:t>
+              <a:t>for PC.</a:t>
             </a:r>
             <a:endParaRPr lang="en-GB" dirty="0"/>
           </a:p>
@@ -12497,35 +12510,6 @@
           </a:p>
         </p:txBody>
       </p:sp>
-      <p:pic>
-        <p:nvPicPr>
-          <p:cNvPr id="4" name="Content Placeholder 3"/>
-          <p:cNvPicPr>
-            <a:picLocks noGrp="1" noChangeAspect="1"/>
-          </p:cNvPicPr>
-          <p:nvPr>
-            <p:ph idx="1"/>
-          </p:nvPr>
-        </p:nvPicPr>
-        <p:blipFill>
-          <a:blip r:embed="rId2">
-            <a:extLst>
-              <a:ext uri="{28A0092B-C50C-407E-A947-70E740481C1C}">
-                <a14:useLocalDpi xmlns:a14="http://schemas.microsoft.com/office/drawing/2010/main" val="0"/>
-              </a:ext>
-            </a:extLst>
-          </a:blip>
-          <a:stretch>
-            <a:fillRect/>
-          </a:stretch>
-        </p:blipFill>
-        <p:spPr>
-          <a:xfrm>
-            <a:off x="5735813" y="1684948"/>
-            <a:ext cx="5940372" cy="4742717"/>
-          </a:xfrm>
-        </p:spPr>
-      </p:pic>
       <p:sp>
         <p:nvSpPr>
           <p:cNvPr id="6" name="Content Placeholder 2"/>
@@ -12537,7 +12521,7 @@
         <p:spPr>
           <a:xfrm>
             <a:off x="2223598" y="1684947"/>
-            <a:ext cx="3512215" cy="4742717"/>
+            <a:ext cx="4493816" cy="4742717"/>
           </a:xfrm>
           <a:prstGeom prst="rect">
             <a:avLst/>
@@ -12545,7 +12529,7 @@
         </p:spPr>
         <p:txBody>
           <a:bodyPr vert="horz" lIns="91440" tIns="45720" rIns="91440" bIns="45720" rtlCol="0">
-            <a:normAutofit fontScale="85000" lnSpcReduction="20000"/>
+            <a:normAutofit fontScale="92500" lnSpcReduction="20000"/>
           </a:bodyPr>
           <a:lstStyle>
             <a:lvl1pPr marL="342900" indent="-342900" algn="l" defTabSz="457200" rtl="0" eaLnBrk="1" latinLnBrk="0" hangingPunct="1">
@@ -12833,6 +12817,65 @@
           </a:p>
         </p:txBody>
       </p:sp>
+      <p:pic>
+        <p:nvPicPr>
+          <p:cNvPr id="5" name="Content Placeholder 4"/>
+          <p:cNvPicPr>
+            <a:picLocks noGrp="1" noChangeAspect="1"/>
+          </p:cNvPicPr>
+          <p:nvPr>
+            <p:ph idx="1"/>
+          </p:nvPr>
+        </p:nvPicPr>
+        <p:blipFill>
+          <a:blip r:embed="rId2">
+            <a:extLst>
+              <a:ext uri="{28A0092B-C50C-407E-A947-70E740481C1C}">
+                <a14:useLocalDpi xmlns:a14="http://schemas.microsoft.com/office/drawing/2010/main" val="0"/>
+              </a:ext>
+            </a:extLst>
+          </a:blip>
+          <a:stretch>
+            <a:fillRect/>
+          </a:stretch>
+        </p:blipFill>
+        <p:spPr>
+          <a:xfrm>
+            <a:off x="6717414" y="1316251"/>
+            <a:ext cx="2661932" cy="4732325"/>
+          </a:xfrm>
+        </p:spPr>
+      </p:pic>
+      <p:pic>
+        <p:nvPicPr>
+          <p:cNvPr id="7" name="Picture 6"/>
+          <p:cNvPicPr>
+            <a:picLocks noChangeAspect="1"/>
+          </p:cNvPicPr>
+          <p:nvPr/>
+        </p:nvPicPr>
+        <p:blipFill>
+          <a:blip r:embed="rId3">
+            <a:extLst>
+              <a:ext uri="{28A0092B-C50C-407E-A947-70E740481C1C}">
+                <a14:useLocalDpi xmlns:a14="http://schemas.microsoft.com/office/drawing/2010/main" val="0"/>
+              </a:ext>
+            </a:extLst>
+          </a:blip>
+          <a:stretch>
+            <a:fillRect/>
+          </a:stretch>
+        </p:blipFill>
+        <p:spPr>
+          <a:xfrm>
+            <a:off x="9379346" y="1327172"/>
+            <a:ext cx="2655790" cy="4721404"/>
+          </a:xfrm>
+          <a:prstGeom prst="rect">
+            <a:avLst/>
+          </a:prstGeom>
+        </p:spPr>
+      </p:pic>
     </p:spTree>
     <p:extLst>
       <p:ext uri="{BB962C8B-B14F-4D97-AF65-F5344CB8AC3E}">
@@ -13658,8 +13701,8 @@
         </p:nvSpPr>
         <p:spPr>
           <a:xfrm>
-            <a:off x="2589212" y="2133600"/>
-            <a:ext cx="5077680" cy="3777622"/>
+            <a:off x="1971088" y="2143219"/>
+            <a:ext cx="3222403" cy="3777622"/>
           </a:xfrm>
         </p:spPr>
         <p:txBody>
@@ -13702,8 +13745,38 @@
         </p:blipFill>
         <p:spPr>
           <a:xfrm>
-            <a:off x="7666892" y="840301"/>
+            <a:off x="8155510" y="840302"/>
             <a:ext cx="4036490" cy="5318758"/>
+          </a:xfrm>
+          <a:prstGeom prst="rect">
+            <a:avLst/>
+          </a:prstGeom>
+        </p:spPr>
+      </p:pic>
+      <p:pic>
+        <p:nvPicPr>
+          <p:cNvPr id="6" name="Picture 5"/>
+          <p:cNvPicPr>
+            <a:picLocks noChangeAspect="1"/>
+          </p:cNvPicPr>
+          <p:nvPr/>
+        </p:nvPicPr>
+        <p:blipFill>
+          <a:blip r:embed="rId3">
+            <a:extLst>
+              <a:ext uri="{28A0092B-C50C-407E-A947-70E740481C1C}">
+                <a14:useLocalDpi xmlns:a14="http://schemas.microsoft.com/office/drawing/2010/main" val="0"/>
+              </a:ext>
+            </a:extLst>
+          </a:blip>
+          <a:stretch>
+            <a:fillRect/>
+          </a:stretch>
+        </p:blipFill>
+        <p:spPr>
+          <a:xfrm>
+            <a:off x="5193491" y="840302"/>
+            <a:ext cx="2991801" cy="5318758"/>
           </a:xfrm>
           <a:prstGeom prst="rect">
             <a:avLst/>

--- a/Presentations/Presentation_02.pptx
+++ b/Presentations/Presentation_02.pptx
@@ -8,19 +8,20 @@
     <p:sldId id="256" r:id="rId2"/>
     <p:sldId id="257" r:id="rId3"/>
     <p:sldId id="260" r:id="rId4"/>
-    <p:sldId id="270" r:id="rId5"/>
-    <p:sldId id="271" r:id="rId6"/>
-    <p:sldId id="266" r:id="rId7"/>
-    <p:sldId id="258" r:id="rId8"/>
-    <p:sldId id="263" r:id="rId9"/>
-    <p:sldId id="267" r:id="rId10"/>
-    <p:sldId id="268" r:id="rId11"/>
-    <p:sldId id="269" r:id="rId12"/>
-    <p:sldId id="264" r:id="rId13"/>
-    <p:sldId id="272" r:id="rId14"/>
-    <p:sldId id="265" r:id="rId15"/>
-    <p:sldId id="259" r:id="rId16"/>
-    <p:sldId id="261" r:id="rId17"/>
+    <p:sldId id="259" r:id="rId5"/>
+    <p:sldId id="270" r:id="rId6"/>
+    <p:sldId id="271" r:id="rId7"/>
+    <p:sldId id="266" r:id="rId8"/>
+    <p:sldId id="258" r:id="rId9"/>
+    <p:sldId id="263" r:id="rId10"/>
+    <p:sldId id="267" r:id="rId11"/>
+    <p:sldId id="268" r:id="rId12"/>
+    <p:sldId id="269" r:id="rId13"/>
+    <p:sldId id="264" r:id="rId14"/>
+    <p:sldId id="272" r:id="rId15"/>
+    <p:sldId id="265" r:id="rId16"/>
+    <p:sldId id="273" r:id="rId17"/>
+    <p:sldId id="261" r:id="rId18"/>
   </p:sldIdLst>
   <p:sldSz cx="12192000" cy="6858000"/>
   <p:notesSz cx="6858000" cy="9144000"/>
@@ -3265,7 +3266,7 @@
             <a:fld id="{B61BEF0D-F0BB-DE4B-95CE-6DB70DBA9567}" type="datetimeFigureOut">
               <a:rPr lang="en-US" dirty="0"/>
               <a:pPr/>
-              <a:t>11/4/2017</a:t>
+              <a:t>11/7/2017</a:t>
             </a:fld>
             <a:endParaRPr lang="en-US" dirty="0"/>
           </a:p>
@@ -3600,7 +3601,7 @@
             <a:fld id="{B61BEF0D-F0BB-DE4B-95CE-6DB70DBA9567}" type="datetimeFigureOut">
               <a:rPr lang="en-US" dirty="0"/>
               <a:pPr/>
-              <a:t>11/4/2017</a:t>
+              <a:t>11/7/2017</a:t>
             </a:fld>
             <a:endParaRPr lang="en-US" dirty="0"/>
           </a:p>
@@ -3998,7 +3999,7 @@
             <a:fld id="{B61BEF0D-F0BB-DE4B-95CE-6DB70DBA9567}" type="datetimeFigureOut">
               <a:rPr lang="en-US" dirty="0"/>
               <a:pPr/>
-              <a:t>11/4/2017</a:t>
+              <a:t>11/7/2017</a:t>
             </a:fld>
             <a:endParaRPr lang="en-US" dirty="0"/>
           </a:p>
@@ -4331,7 +4332,7 @@
             <a:fld id="{B61BEF0D-F0BB-DE4B-95CE-6DB70DBA9567}" type="datetimeFigureOut">
               <a:rPr lang="en-US" dirty="0"/>
               <a:pPr/>
-              <a:t>11/4/2017</a:t>
+              <a:t>11/7/2017</a:t>
             </a:fld>
             <a:endParaRPr lang="en-US" dirty="0"/>
           </a:p>
@@ -4648,7 +4649,7 @@
             <a:fld id="{B61BEF0D-F0BB-DE4B-95CE-6DB70DBA9567}" type="datetimeFigureOut">
               <a:rPr lang="en-US" dirty="0"/>
               <a:pPr/>
-              <a:t>11/4/2017</a:t>
+              <a:t>11/7/2017</a:t>
             </a:fld>
             <a:endParaRPr lang="en-US" dirty="0"/>
           </a:p>
@@ -5041,7 +5042,7 @@
             <a:fld id="{B61BEF0D-F0BB-DE4B-95CE-6DB70DBA9567}" type="datetimeFigureOut">
               <a:rPr lang="en-US" dirty="0"/>
               <a:pPr/>
-              <a:t>11/4/2017</a:t>
+              <a:t>11/7/2017</a:t>
             </a:fld>
             <a:endParaRPr lang="en-US" dirty="0"/>
           </a:p>
@@ -5295,7 +5296,7 @@
             <a:fld id="{B61BEF0D-F0BB-DE4B-95CE-6DB70DBA9567}" type="datetimeFigureOut">
               <a:rPr lang="en-US" dirty="0"/>
               <a:pPr/>
-              <a:t>11/4/2017</a:t>
+              <a:t>11/7/2017</a:t>
             </a:fld>
             <a:endParaRPr lang="en-US" dirty="0"/>
           </a:p>
@@ -5554,7 +5555,7 @@
             <a:fld id="{B61BEF0D-F0BB-DE4B-95CE-6DB70DBA9567}" type="datetimeFigureOut">
               <a:rPr lang="en-US" dirty="0"/>
               <a:pPr/>
-              <a:t>11/4/2017</a:t>
+              <a:t>11/7/2017</a:t>
             </a:fld>
             <a:endParaRPr lang="en-US" dirty="0"/>
           </a:p>
@@ -5813,7 +5814,7 @@
             <a:fld id="{B61BEF0D-F0BB-DE4B-95CE-6DB70DBA9567}" type="datetimeFigureOut">
               <a:rPr lang="en-US" dirty="0"/>
               <a:pPr/>
-              <a:t>11/4/2017</a:t>
+              <a:t>11/7/2017</a:t>
             </a:fld>
             <a:endParaRPr lang="en-US" dirty="0"/>
           </a:p>
@@ -6139,7 +6140,7 @@
             <a:fld id="{B61BEF0D-F0BB-DE4B-95CE-6DB70DBA9567}" type="datetimeFigureOut">
               <a:rPr lang="en-US" dirty="0"/>
               <a:pPr/>
-              <a:t>11/4/2017</a:t>
+              <a:t>11/7/2017</a:t>
             </a:fld>
             <a:endParaRPr lang="en-US" dirty="0"/>
           </a:p>
@@ -6459,7 +6460,7 @@
             <a:fld id="{B61BEF0D-F0BB-DE4B-95CE-6DB70DBA9567}" type="datetimeFigureOut">
               <a:rPr lang="en-US" dirty="0"/>
               <a:pPr/>
-              <a:t>11/4/2017</a:t>
+              <a:t>11/7/2017</a:t>
             </a:fld>
             <a:endParaRPr lang="en-US" dirty="0"/>
           </a:p>
@@ -6913,7 +6914,7 @@
             <a:fld id="{B61BEF0D-F0BB-DE4B-95CE-6DB70DBA9567}" type="datetimeFigureOut">
               <a:rPr lang="en-US" dirty="0"/>
               <a:pPr/>
-              <a:t>11/4/2017</a:t>
+              <a:t>11/7/2017</a:t>
             </a:fld>
             <a:endParaRPr lang="en-US" dirty="0"/>
           </a:p>
@@ -7115,7 +7116,7 @@
             <a:fld id="{B61BEF0D-F0BB-DE4B-95CE-6DB70DBA9567}" type="datetimeFigureOut">
               <a:rPr lang="en-US" dirty="0"/>
               <a:pPr/>
-              <a:t>11/4/2017</a:t>
+              <a:t>11/7/2017</a:t>
             </a:fld>
             <a:endParaRPr lang="en-US" dirty="0"/>
           </a:p>
@@ -7289,7 +7290,7 @@
             <a:fld id="{B61BEF0D-F0BB-DE4B-95CE-6DB70DBA9567}" type="datetimeFigureOut">
               <a:rPr lang="en-US" dirty="0"/>
               <a:pPr/>
-              <a:t>11/4/2017</a:t>
+              <a:t>11/7/2017</a:t>
             </a:fld>
             <a:endParaRPr lang="en-US" dirty="0"/>
           </a:p>
@@ -7619,7 +7620,7 @@
             <a:fld id="{B61BEF0D-F0BB-DE4B-95CE-6DB70DBA9567}" type="datetimeFigureOut">
               <a:rPr lang="en-US" dirty="0"/>
               <a:pPr/>
-              <a:t>11/4/2017</a:t>
+              <a:t>11/7/2017</a:t>
             </a:fld>
             <a:endParaRPr lang="en-US" dirty="0"/>
           </a:p>
@@ -7961,7 +7962,7 @@
             <a:fld id="{B61BEF0D-F0BB-DE4B-95CE-6DB70DBA9567}" type="datetimeFigureOut">
               <a:rPr lang="en-US" dirty="0"/>
               <a:pPr/>
-              <a:t>11/4/2017</a:t>
+              <a:t>11/7/2017</a:t>
             </a:fld>
             <a:endParaRPr lang="en-US" dirty="0"/>
           </a:p>
@@ -10075,7 +10076,7 @@
             <a:fld id="{B61BEF0D-F0BB-DE4B-95CE-6DB70DBA9567}" type="datetimeFigureOut">
               <a:rPr lang="en-US" dirty="0"/>
               <a:pPr/>
-              <a:t>11/4/2017</a:t>
+              <a:t>11/7/2017</a:t>
             </a:fld>
             <a:endParaRPr lang="en-US" dirty="0"/>
           </a:p>
@@ -10700,6 +10701,155 @@
         </p:nvSpPr>
         <p:spPr>
           <a:xfrm>
+            <a:off x="1971088" y="2143219"/>
+            <a:ext cx="3566827" cy="3777622"/>
+          </a:xfrm>
+        </p:spPr>
+        <p:txBody>
+          <a:bodyPr>
+            <a:normAutofit/>
+          </a:bodyPr>
+          <a:lstStyle/>
+          <a:p>
+            <a:r>
+              <a:rPr lang="en-GB" dirty="0" smtClean="0"/>
+              <a:t>Three types of enemies:</a:t>
+            </a:r>
+          </a:p>
+          <a:p>
+            <a:pPr lvl="1"/>
+            <a:r>
+              <a:rPr lang="en-GB" sz="1800" dirty="0" smtClean="0"/>
+              <a:t>Patrolling enemies. These enemies traverse between set waypoints. They can be avoided without combat if the player is cautious.</a:t>
+            </a:r>
+          </a:p>
+        </p:txBody>
+      </p:sp>
+      <p:pic>
+        <p:nvPicPr>
+          <p:cNvPr id="4" name="Picture 3"/>
+          <p:cNvPicPr>
+            <a:picLocks noChangeAspect="1"/>
+          </p:cNvPicPr>
+          <p:nvPr/>
+        </p:nvPicPr>
+        <p:blipFill>
+          <a:blip r:embed="rId2">
+            <a:extLst>
+              <a:ext uri="{28A0092B-C50C-407E-A947-70E740481C1C}">
+                <a14:useLocalDpi xmlns:a14="http://schemas.microsoft.com/office/drawing/2010/main" val="0"/>
+              </a:ext>
+            </a:extLst>
+          </a:blip>
+          <a:stretch>
+            <a:fillRect/>
+          </a:stretch>
+        </p:blipFill>
+        <p:spPr>
+          <a:xfrm>
+            <a:off x="8963526" y="1905000"/>
+            <a:ext cx="3228474" cy="4254060"/>
+          </a:xfrm>
+          <a:prstGeom prst="rect">
+            <a:avLst/>
+          </a:prstGeom>
+        </p:spPr>
+      </p:pic>
+      <p:pic>
+        <p:nvPicPr>
+          <p:cNvPr id="6" name="Picture 5"/>
+          <p:cNvPicPr>
+            <a:picLocks noChangeAspect="1"/>
+          </p:cNvPicPr>
+          <p:nvPr/>
+        </p:nvPicPr>
+        <p:blipFill>
+          <a:blip r:embed="rId3">
+            <a:extLst>
+              <a:ext uri="{28A0092B-C50C-407E-A947-70E740481C1C}">
+                <a14:useLocalDpi xmlns:a14="http://schemas.microsoft.com/office/drawing/2010/main" val="0"/>
+              </a:ext>
+            </a:extLst>
+          </a:blip>
+          <a:stretch>
+            <a:fillRect/>
+          </a:stretch>
+        </p:blipFill>
+        <p:spPr>
+          <a:xfrm>
+            <a:off x="5795493" y="1910528"/>
+            <a:ext cx="2389799" cy="4248532"/>
+          </a:xfrm>
+          <a:prstGeom prst="rect">
+            <a:avLst/>
+          </a:prstGeom>
+        </p:spPr>
+      </p:pic>
+    </p:spTree>
+    <p:extLst>
+      <p:ext uri="{BB962C8B-B14F-4D97-AF65-F5344CB8AC3E}">
+        <p14:creationId xmlns:p14="http://schemas.microsoft.com/office/powerpoint/2010/main" val="3916771281"/>
+      </p:ext>
+    </p:extLst>
+  </p:cSld>
+  <p:clrMapOvr>
+    <a:masterClrMapping/>
+  </p:clrMapOvr>
+</p:sld>
+</file>
+
+<file path=ppt/slides/slide11.xml><?xml version="1.0" encoding="utf-8"?>
+<p:sld xmlns:a="http://schemas.openxmlformats.org/drawingml/2006/main" xmlns:r="http://schemas.openxmlformats.org/officeDocument/2006/relationships" xmlns:p="http://schemas.openxmlformats.org/presentationml/2006/main">
+  <p:cSld>
+    <p:spTree>
+      <p:nvGrpSpPr>
+        <p:cNvPr id="1" name=""/>
+        <p:cNvGrpSpPr/>
+        <p:nvPr/>
+      </p:nvGrpSpPr>
+      <p:grpSpPr>
+        <a:xfrm>
+          <a:off x="0" y="0"/>
+          <a:ext cx="0" cy="0"/>
+          <a:chOff x="0" y="0"/>
+          <a:chExt cx="0" cy="0"/>
+        </a:xfrm>
+      </p:grpSpPr>
+      <p:sp>
+        <p:nvSpPr>
+          <p:cNvPr id="2" name="Title 1"/>
+          <p:cNvSpPr>
+            <a:spLocks noGrp="1"/>
+          </p:cNvSpPr>
+          <p:nvPr>
+            <p:ph type="title"/>
+          </p:nvPr>
+        </p:nvSpPr>
+        <p:spPr/>
+        <p:txBody>
+          <a:bodyPr/>
+          <a:lstStyle/>
+          <a:p>
+            <a:r>
+              <a:rPr lang="en-GB" dirty="0" smtClean="0"/>
+              <a:t>Combat</a:t>
+            </a:r>
+            <a:endParaRPr lang="en-GB" dirty="0"/>
+          </a:p>
+        </p:txBody>
+      </p:sp>
+      <p:sp>
+        <p:nvSpPr>
+          <p:cNvPr id="3" name="Content Placeholder 2"/>
+          <p:cNvSpPr>
+            <a:spLocks noGrp="1"/>
+          </p:cNvSpPr>
+          <p:nvPr>
+            <p:ph idx="1"/>
+          </p:nvPr>
+        </p:nvSpPr>
+        <p:spPr>
+          <a:xfrm>
             <a:off x="2589211" y="2133600"/>
             <a:ext cx="5669759" cy="3777622"/>
           </a:xfrm>
@@ -10710,7 +10860,7 @@
           <a:p>
             <a:pPr lvl="1"/>
             <a:r>
-              <a:rPr lang="en-GB" dirty="0"/>
+              <a:rPr lang="en-GB" sz="1800" dirty="0"/>
               <a:t>Guarding enemies. These enemies are static until the player enters a certain radius, then they will chase the player until the player leaves a set radius. Guarding oils, Light refills and shortcuts.</a:t>
             </a:r>
           </a:p>
@@ -10759,106 +10909,13 @@
   <p:clrMapOvr>
     <a:masterClrMapping/>
   </p:clrMapOvr>
-</p:sld>
-</file>
-
-<file path=ppt/slides/slide11.xml><?xml version="1.0" encoding="utf-8"?>
-<p:sld xmlns:a="http://schemas.openxmlformats.org/drawingml/2006/main" xmlns:r="http://schemas.openxmlformats.org/officeDocument/2006/relationships" xmlns:p="http://schemas.openxmlformats.org/presentationml/2006/main">
-  <p:cSld>
-    <p:spTree>
-      <p:nvGrpSpPr>
-        <p:cNvPr id="1" name=""/>
-        <p:cNvGrpSpPr/>
-        <p:nvPr/>
-      </p:nvGrpSpPr>
-      <p:grpSpPr>
-        <a:xfrm>
-          <a:off x="0" y="0"/>
-          <a:ext cx="0" cy="0"/>
-          <a:chOff x="0" y="0"/>
-          <a:chExt cx="0" cy="0"/>
-        </a:xfrm>
-      </p:grpSpPr>
-      <p:sp>
-        <p:nvSpPr>
-          <p:cNvPr id="2" name="Title 1"/>
-          <p:cNvSpPr>
-            <a:spLocks noGrp="1"/>
-          </p:cNvSpPr>
-          <p:nvPr>
-            <p:ph type="title"/>
-          </p:nvPr>
-        </p:nvSpPr>
-        <p:spPr/>
-        <p:txBody>
-          <a:bodyPr/>
-          <a:lstStyle/>
-          <a:p>
-            <a:r>
-              <a:rPr lang="en-GB" dirty="0" smtClean="0"/>
-              <a:t>Combat</a:t>
-            </a:r>
-            <a:endParaRPr lang="en-GB" dirty="0"/>
-          </a:p>
-        </p:txBody>
-      </p:sp>
-      <p:sp>
-        <p:nvSpPr>
-          <p:cNvPr id="3" name="Content Placeholder 2"/>
-          <p:cNvSpPr>
-            <a:spLocks noGrp="1"/>
-          </p:cNvSpPr>
-          <p:nvPr>
-            <p:ph idx="1"/>
-          </p:nvPr>
-        </p:nvSpPr>
-        <p:spPr/>
-        <p:txBody>
-          <a:bodyPr/>
-          <a:lstStyle/>
-          <a:p>
-            <a:pPr lvl="1"/>
-            <a:r>
-              <a:rPr lang="en-GB" dirty="0"/>
-              <a:t>Bosses. These enemies are for a player to demonstrate their mastery of the mechanics. They have three phases:</a:t>
-            </a:r>
-          </a:p>
-          <a:p>
-            <a:pPr lvl="2"/>
-            <a:r>
-              <a:rPr lang="en-GB" dirty="0"/>
-              <a:t>Boss Attacks Player, the player must avoid the boss’s attacks.</a:t>
-            </a:r>
-          </a:p>
-          <a:p>
-            <a:pPr lvl="2"/>
-            <a:r>
-              <a:rPr lang="en-GB" dirty="0"/>
-              <a:t>Player Attacks Boss to stun him long enough to..</a:t>
-            </a:r>
-          </a:p>
-          <a:p>
-            <a:pPr lvl="2"/>
-            <a:r>
-              <a:rPr lang="en-GB" dirty="0"/>
-              <a:t>Player uses puzzle to defeat the boss.</a:t>
-            </a:r>
-          </a:p>
-          <a:p>
-            <a:endParaRPr lang="en-GB" dirty="0"/>
-          </a:p>
-        </p:txBody>
-      </p:sp>
-    </p:spTree>
-    <p:extLst>
-      <p:ext uri="{BB962C8B-B14F-4D97-AF65-F5344CB8AC3E}">
-        <p14:creationId xmlns:p14="http://schemas.microsoft.com/office/powerpoint/2010/main" val="2640707666"/>
-      </p:ext>
-    </p:extLst>
-  </p:cSld>
-  <p:clrMapOvr>
-    <a:masterClrMapping/>
-  </p:clrMapOvr>
+  <p:timing>
+    <p:tnLst>
+      <p:par>
+        <p:cTn id="1" dur="indefinite" restart="never" nodeType="tmRoot"/>
+      </p:par>
+    </p:tnLst>
+  </p:timing>
 </p:sld>
 </file>
 
@@ -10896,6 +10953,154 @@
           <a:p>
             <a:r>
               <a:rPr lang="en-GB" dirty="0" smtClean="0"/>
+              <a:t>Combat</a:t>
+            </a:r>
+            <a:endParaRPr lang="en-GB" dirty="0"/>
+          </a:p>
+        </p:txBody>
+      </p:sp>
+      <p:sp>
+        <p:nvSpPr>
+          <p:cNvPr id="3" name="Content Placeholder 2"/>
+          <p:cNvSpPr>
+            <a:spLocks noGrp="1"/>
+          </p:cNvSpPr>
+          <p:nvPr>
+            <p:ph idx="1"/>
+          </p:nvPr>
+        </p:nvSpPr>
+        <p:spPr>
+          <a:xfrm>
+            <a:off x="2589212" y="2133600"/>
+            <a:ext cx="6271453" cy="3777622"/>
+          </a:xfrm>
+        </p:spPr>
+        <p:txBody>
+          <a:bodyPr/>
+          <a:lstStyle/>
+          <a:p>
+            <a:pPr lvl="1"/>
+            <a:r>
+              <a:rPr lang="en-GB" sz="1800" dirty="0"/>
+              <a:t>Bosses. These enemies are for a player to demonstrate their mastery of the mechanics. They have three phases:</a:t>
+            </a:r>
+          </a:p>
+          <a:p>
+            <a:pPr lvl="2"/>
+            <a:r>
+              <a:rPr lang="en-GB" sz="1800" dirty="0"/>
+              <a:t>Boss Attacks Player, the player must avoid the boss’s attacks.</a:t>
+            </a:r>
+          </a:p>
+          <a:p>
+            <a:pPr lvl="2"/>
+            <a:r>
+              <a:rPr lang="en-GB" sz="1800" dirty="0"/>
+              <a:t>Player Attacks Boss to stun him long enough to..</a:t>
+            </a:r>
+          </a:p>
+          <a:p>
+            <a:pPr lvl="2"/>
+            <a:r>
+              <a:rPr lang="en-GB" sz="1800" dirty="0"/>
+              <a:t>Player uses puzzle to defeat the </a:t>
+            </a:r>
+            <a:r>
+              <a:rPr lang="en-GB" sz="1800" dirty="0" smtClean="0"/>
+              <a:t>boss via the </a:t>
+            </a:r>
+            <a:r>
+              <a:rPr lang="en-GB" sz="1800" dirty="0" err="1" smtClean="0"/>
+              <a:t>enviroment</a:t>
+            </a:r>
+            <a:r>
+              <a:rPr lang="en-GB" sz="1800" dirty="0" smtClean="0"/>
+              <a:t>.</a:t>
+            </a:r>
+            <a:endParaRPr lang="en-GB" sz="1800" dirty="0"/>
+          </a:p>
+          <a:p>
+            <a:endParaRPr lang="en-GB" dirty="0"/>
+          </a:p>
+        </p:txBody>
+      </p:sp>
+      <p:pic>
+        <p:nvPicPr>
+          <p:cNvPr id="4" name="Picture 3"/>
+          <p:cNvPicPr>
+            <a:picLocks noChangeAspect="1"/>
+          </p:cNvPicPr>
+          <p:nvPr/>
+        </p:nvPicPr>
+        <p:blipFill>
+          <a:blip r:embed="rId2">
+            <a:extLst>
+              <a:ext uri="{28A0092B-C50C-407E-A947-70E740481C1C}">
+                <a14:useLocalDpi xmlns:a14="http://schemas.microsoft.com/office/drawing/2010/main" val="0"/>
+              </a:ext>
+            </a:extLst>
+          </a:blip>
+          <a:stretch>
+            <a:fillRect/>
+          </a:stretch>
+        </p:blipFill>
+        <p:spPr>
+          <a:xfrm>
+            <a:off x="9082567" y="1320934"/>
+            <a:ext cx="2810256" cy="4590288"/>
+          </a:xfrm>
+          <a:prstGeom prst="rect">
+            <a:avLst/>
+          </a:prstGeom>
+        </p:spPr>
+      </p:pic>
+    </p:spTree>
+    <p:extLst>
+      <p:ext uri="{BB962C8B-B14F-4D97-AF65-F5344CB8AC3E}">
+        <p14:creationId xmlns:p14="http://schemas.microsoft.com/office/powerpoint/2010/main" val="2640707666"/>
+      </p:ext>
+    </p:extLst>
+  </p:cSld>
+  <p:clrMapOvr>
+    <a:masterClrMapping/>
+  </p:clrMapOvr>
+</p:sld>
+</file>
+
+<file path=ppt/slides/slide13.xml><?xml version="1.0" encoding="utf-8"?>
+<p:sld xmlns:a="http://schemas.openxmlformats.org/drawingml/2006/main" xmlns:r="http://schemas.openxmlformats.org/officeDocument/2006/relationships" xmlns:p="http://schemas.openxmlformats.org/presentationml/2006/main">
+  <p:cSld>
+    <p:spTree>
+      <p:nvGrpSpPr>
+        <p:cNvPr id="1" name=""/>
+        <p:cNvGrpSpPr/>
+        <p:nvPr/>
+      </p:nvGrpSpPr>
+      <p:grpSpPr>
+        <a:xfrm>
+          <a:off x="0" y="0"/>
+          <a:ext cx="0" cy="0"/>
+          <a:chOff x="0" y="0"/>
+          <a:chExt cx="0" cy="0"/>
+        </a:xfrm>
+      </p:grpSpPr>
+      <p:sp>
+        <p:nvSpPr>
+          <p:cNvPr id="2" name="Title 1"/>
+          <p:cNvSpPr>
+            <a:spLocks noGrp="1"/>
+          </p:cNvSpPr>
+          <p:nvPr>
+            <p:ph type="title"/>
+          </p:nvPr>
+        </p:nvSpPr>
+        <p:spPr/>
+        <p:txBody>
+          <a:bodyPr/>
+          <a:lstStyle/>
+          <a:p>
+            <a:r>
+              <a:rPr lang="en-GB" dirty="0" smtClean="0"/>
               <a:t>Puzzle</a:t>
             </a:r>
             <a:endParaRPr lang="en-GB" dirty="0"/>
@@ -10952,8 +11157,13 @@
             </a:r>
             <a:r>
               <a:rPr lang="en-GB" dirty="0" smtClean="0"/>
-              <a:t> in order to complete the puzzle. When successful their light will be refilled.</a:t>
-            </a:r>
+              <a:t> in order to complete the puzzle. When successful their light will be </a:t>
+            </a:r>
+            <a:r>
+              <a:rPr lang="en-GB" dirty="0" smtClean="0"/>
+              <a:t>refilled and the locked door will open.</a:t>
+            </a:r>
+            <a:endParaRPr lang="en-GB" dirty="0" smtClean="0"/>
           </a:p>
           <a:p>
             <a:endParaRPr lang="en-GB" dirty="0"/>
@@ -11003,7 +11213,7 @@
 </p:sld>
 </file>
 
-<file path=ppt/slides/slide13.xml><?xml version="1.0" encoding="utf-8"?>
+<file path=ppt/slides/slide14.xml><?xml version="1.0" encoding="utf-8"?>
 <p:sld xmlns:a="http://schemas.openxmlformats.org/drawingml/2006/main" xmlns:r="http://schemas.openxmlformats.org/officeDocument/2006/relationships" xmlns:p="http://schemas.openxmlformats.org/presentationml/2006/main">
   <p:cSld>
     <p:spTree>
@@ -11087,8 +11297,8 @@
         </p:nvSpPr>
         <p:spPr>
           <a:xfrm>
-            <a:off x="2589212" y="2133600"/>
-            <a:ext cx="4094923" cy="3777622"/>
+            <a:off x="2589213" y="2133600"/>
+            <a:ext cx="3680349" cy="4724400"/>
           </a:xfrm>
           <a:prstGeom prst="rect">
             <a:avLst/>
@@ -11358,7 +11568,7 @@
 </p:sld>
 </file>
 
-<file path=ppt/slides/slide14.xml><?xml version="1.0" encoding="utf-8"?>
+<file path=ppt/slides/slide15.xml><?xml version="1.0" encoding="utf-8"?>
 <p:sld xmlns:a="http://schemas.openxmlformats.org/drawingml/2006/main" xmlns:r="http://schemas.openxmlformats.org/officeDocument/2006/relationships" xmlns:p="http://schemas.openxmlformats.org/presentationml/2006/main">
   <p:cSld>
     <p:spTree>
@@ -11691,7 +11901,7 @@
 </p:sld>
 </file>
 
-<file path=ppt/slides/slide15.xml><?xml version="1.0" encoding="utf-8"?>
+<file path=ppt/slides/slide16.xml><?xml version="1.0" encoding="utf-8"?>
 <p:sld xmlns:a="http://schemas.openxmlformats.org/drawingml/2006/main" xmlns:r="http://schemas.openxmlformats.org/officeDocument/2006/relationships" xmlns:p="http://schemas.openxmlformats.org/presentationml/2006/main">
   <p:cSld>
     <p:spTree>
@@ -11753,7 +11963,7 @@
     </p:spTree>
     <p:extLst>
       <p:ext uri="{BB962C8B-B14F-4D97-AF65-F5344CB8AC3E}">
-        <p14:creationId xmlns:p14="http://schemas.microsoft.com/office/powerpoint/2010/main" val="2699523477"/>
+        <p14:creationId xmlns:p14="http://schemas.microsoft.com/office/powerpoint/2010/main" val="3612671777"/>
       </p:ext>
     </p:extLst>
   </p:cSld>
@@ -11763,7 +11973,7 @@
 </p:sld>
 </file>
 
-<file path=ppt/slides/slide16.xml><?xml version="1.0" encoding="utf-8"?>
+<file path=ppt/slides/slide17.xml><?xml version="1.0" encoding="utf-8"?>
 <p:sld xmlns:a="http://schemas.openxmlformats.org/drawingml/2006/main" xmlns:r="http://schemas.openxmlformats.org/officeDocument/2006/relationships" xmlns:p="http://schemas.openxmlformats.org/presentationml/2006/main">
   <p:cSld>
     <p:spTree>
@@ -11904,24 +12114,39 @@
           <a:p>
             <a:r>
               <a:rPr lang="en-GB" dirty="0" smtClean="0"/>
+              <a:t>Developed </a:t>
+            </a:r>
+            <a:r>
+              <a:rPr lang="en-GB" dirty="0" smtClean="0"/>
+              <a:t>for PC</a:t>
+            </a:r>
+            <a:r>
+              <a:rPr lang="en-GB" dirty="0" smtClean="0"/>
+              <a:t>.</a:t>
+            </a:r>
+          </a:p>
+          <a:p>
+            <a:endParaRPr lang="en-GB" dirty="0"/>
+          </a:p>
+          <a:p>
+            <a:r>
+              <a:rPr lang="en-GB" dirty="0"/>
               <a:t>Appeals to Easy Fun(exploration, curiosity).</a:t>
             </a:r>
           </a:p>
           <a:p>
             <a:r>
-              <a:rPr lang="en-GB" dirty="0" smtClean="0"/>
+              <a:rPr lang="en-GB" dirty="0"/>
+              <a:t>Appeals to Hard Fun (challenge, mastery).</a:t>
+            </a:r>
+          </a:p>
+          <a:p>
+            <a:r>
+              <a:rPr lang="en-GB" dirty="0"/>
               <a:t>Appeals to Serious Fun (repetition, zen focus).</a:t>
             </a:r>
           </a:p>
           <a:p>
-            <a:r>
-              <a:rPr lang="en-GB" dirty="0" smtClean="0"/>
-              <a:t>Developed </a:t>
-            </a:r>
-            <a:r>
-              <a:rPr lang="en-GB" dirty="0" smtClean="0"/>
-              <a:t>for PC.</a:t>
-            </a:r>
             <a:endParaRPr lang="en-GB" dirty="0"/>
           </a:p>
         </p:txBody>
@@ -12115,6 +12340,105 @@
           <a:p>
             <a:r>
               <a:rPr lang="en-GB" dirty="0" smtClean="0"/>
+              <a:t>First Pass - Flow</a:t>
+            </a:r>
+            <a:endParaRPr lang="en-GB" dirty="0"/>
+          </a:p>
+        </p:txBody>
+      </p:sp>
+      <p:sp>
+        <p:nvSpPr>
+          <p:cNvPr id="3" name="Content Placeholder 2"/>
+          <p:cNvSpPr>
+            <a:spLocks noGrp="1"/>
+          </p:cNvSpPr>
+          <p:nvPr>
+            <p:ph idx="1"/>
+          </p:nvPr>
+        </p:nvSpPr>
+        <p:spPr/>
+        <p:txBody>
+          <a:bodyPr/>
+          <a:lstStyle/>
+          <a:p>
+            <a:r>
+              <a:rPr lang="en-GB" dirty="0" smtClean="0"/>
+              <a:t>Concrete goals with manageable rules</a:t>
+            </a:r>
+          </a:p>
+          <a:p>
+            <a:r>
+              <a:rPr lang="en-GB" dirty="0" smtClean="0"/>
+              <a:t>Goals that fit player capabilities.</a:t>
+            </a:r>
+          </a:p>
+          <a:p>
+            <a:r>
+              <a:rPr lang="en-GB" dirty="0" smtClean="0"/>
+              <a:t>Clear and timely feedback.</a:t>
+            </a:r>
+          </a:p>
+          <a:p>
+            <a:r>
+              <a:rPr lang="en-GB" dirty="0" smtClean="0"/>
+              <a:t>Eliminate distractions</a:t>
+            </a:r>
+          </a:p>
+          <a:p>
+            <a:endParaRPr lang="en-GB" dirty="0" smtClean="0"/>
+          </a:p>
+          <a:p>
+            <a:endParaRPr lang="en-GB" dirty="0"/>
+          </a:p>
+        </p:txBody>
+      </p:sp>
+    </p:spTree>
+    <p:extLst>
+      <p:ext uri="{BB962C8B-B14F-4D97-AF65-F5344CB8AC3E}">
+        <p14:creationId xmlns:p14="http://schemas.microsoft.com/office/powerpoint/2010/main" val="2699523477"/>
+      </p:ext>
+    </p:extLst>
+  </p:cSld>
+  <p:clrMapOvr>
+    <a:masterClrMapping/>
+  </p:clrMapOvr>
+</p:sld>
+</file>
+
+<file path=ppt/slides/slide5.xml><?xml version="1.0" encoding="utf-8"?>
+<p:sld xmlns:a="http://schemas.openxmlformats.org/drawingml/2006/main" xmlns:r="http://schemas.openxmlformats.org/officeDocument/2006/relationships" xmlns:p="http://schemas.openxmlformats.org/presentationml/2006/main">
+  <p:cSld>
+    <p:spTree>
+      <p:nvGrpSpPr>
+        <p:cNvPr id="1" name=""/>
+        <p:cNvGrpSpPr/>
+        <p:nvPr/>
+      </p:nvGrpSpPr>
+      <p:grpSpPr>
+        <a:xfrm>
+          <a:off x="0" y="0"/>
+          <a:ext cx="0" cy="0"/>
+          <a:chOff x="0" y="0"/>
+          <a:chExt cx="0" cy="0"/>
+        </a:xfrm>
+      </p:grpSpPr>
+      <p:sp>
+        <p:nvSpPr>
+          <p:cNvPr id="2" name="Title 1"/>
+          <p:cNvSpPr>
+            <a:spLocks noGrp="1"/>
+          </p:cNvSpPr>
+          <p:nvPr>
+            <p:ph type="title"/>
+          </p:nvPr>
+        </p:nvSpPr>
+        <p:spPr/>
+        <p:txBody>
+          <a:bodyPr/>
+          <a:lstStyle/>
+          <a:p>
+            <a:r>
+              <a:rPr lang="en-GB" dirty="0" smtClean="0"/>
               <a:t>The Player</a:t>
             </a:r>
             <a:endParaRPr lang="en-GB" dirty="0"/>
@@ -12169,7 +12493,7 @@
         </p:spPr>
         <p:txBody>
           <a:bodyPr vert="horz" lIns="91440" tIns="45720" rIns="91440" bIns="45720" rtlCol="0">
-            <a:normAutofit fontScale="92500" lnSpcReduction="20000"/>
+            <a:normAutofit/>
           </a:bodyPr>
           <a:lstStyle>
             <a:lvl1pPr marL="342900" indent="-342900" algn="l" defTabSz="457200" rtl="0" eaLnBrk="1" latinLnBrk="0" hangingPunct="1">
@@ -12405,39 +12729,35 @@
             </a:r>
             <a:r>
               <a:rPr lang="en-GB" dirty="0" smtClean="0"/>
-              <a:t>fails. Due </a:t>
+              <a:t>fails, causing the end of the world. The </a:t>
             </a:r>
             <a:r>
               <a:rPr lang="en-GB" dirty="0"/>
-              <a:t>to the </a:t>
-            </a:r>
-            <a:r>
-              <a:rPr lang="en-GB" dirty="0" err="1"/>
-              <a:t>preists</a:t>
+              <a:t>last fire had not been coaxed into life, and the player must </a:t>
+            </a:r>
+            <a:r>
+              <a:rPr lang="en-GB" dirty="0" smtClean="0"/>
+              <a:t>journey </a:t>
             </a:r>
             <a:r>
               <a:rPr lang="en-GB" dirty="0"/>
-              <a:t> failure the world ends, devoured by earthquakes and the </a:t>
+              <a:t>to coax it into </a:t>
             </a:r>
             <a:r>
               <a:rPr lang="en-GB" dirty="0" smtClean="0"/>
-              <a:t>enemies of the game. </a:t>
+              <a:t>life. </a:t>
             </a:r>
             <a:r>
               <a:rPr lang="en-GB" dirty="0"/>
-              <a:t>The last fire had not been coaxed into life, and the player must journey </a:t>
+              <a:t>This last fire is the lamp the player carries throughout the game, they must take it to </a:t>
             </a:r>
             <a:r>
               <a:rPr lang="en-GB" dirty="0" smtClean="0"/>
-              <a:t>to </a:t>
-            </a:r>
-            <a:r>
-              <a:rPr lang="en-GB" dirty="0"/>
-              <a:t>to coax it into life. The player is the worlds last hope before being devoured. This last fire is the lamp the player carries throughout the game, they must take it to </a:t>
+              <a:t>the</a:t>
             </a:r>
             <a:r>
               <a:rPr lang="en-GB" dirty="0" smtClean="0"/>
-              <a:t>a </a:t>
+              <a:t> </a:t>
             </a:r>
             <a:r>
               <a:rPr lang="en-GB" dirty="0"/>
@@ -12470,7 +12790,7 @@
 </p:sld>
 </file>
 
-<file path=ppt/slides/slide5.xml><?xml version="1.0" encoding="utf-8"?>
+<file path=ppt/slides/slide6.xml><?xml version="1.0" encoding="utf-8"?>
 <p:sld xmlns:a="http://schemas.openxmlformats.org/drawingml/2006/main" xmlns:r="http://schemas.openxmlformats.org/officeDocument/2006/relationships" xmlns:p="http://schemas.openxmlformats.org/presentationml/2006/main">
   <p:cSld>
     <p:spTree>
@@ -12889,7 +13209,7 @@
 </p:sld>
 </file>
 
-<file path=ppt/slides/slide6.xml><?xml version="1.0" encoding="utf-8"?>
+<file path=ppt/slides/slide7.xml><?xml version="1.0" encoding="utf-8"?>
 <p:sld xmlns:a="http://schemas.openxmlformats.org/drawingml/2006/main" xmlns:r="http://schemas.openxmlformats.org/officeDocument/2006/relationships" xmlns:p="http://schemas.openxmlformats.org/presentationml/2006/main">
   <p:cSld>
     <p:spTree>
@@ -13000,7 +13320,7 @@
 </p:sld>
 </file>
 
-<file path=ppt/slides/slide7.xml><?xml version="1.0" encoding="utf-8"?>
+<file path=ppt/slides/slide8.xml><?xml version="1.0" encoding="utf-8"?>
 <p:sld xmlns:a="http://schemas.openxmlformats.org/drawingml/2006/main" xmlns:r="http://schemas.openxmlformats.org/officeDocument/2006/relationships" xmlns:p="http://schemas.openxmlformats.org/presentationml/2006/main">
   <p:cSld>
     <p:spTree>
@@ -13078,7 +13398,7 @@
 </p:sld>
 </file>
 
-<file path=ppt/slides/slide8.xml><?xml version="1.0" encoding="utf-8"?>
+<file path=ppt/slides/slide9.xml><?xml version="1.0" encoding="utf-8"?>
 <p:sld xmlns:a="http://schemas.openxmlformats.org/drawingml/2006/main" xmlns:r="http://schemas.openxmlformats.org/officeDocument/2006/relationships" xmlns:p="http://schemas.openxmlformats.org/presentationml/2006/main">
   <p:cSld>
     <p:spTree>
@@ -13152,19 +13472,29 @@
             </a:r>
             <a:r>
               <a:rPr lang="en-GB" dirty="0"/>
-              <a:t>player does not directly “attack” </a:t>
+              <a:t>player </a:t>
             </a:r>
             <a:r>
               <a:rPr lang="en-GB" dirty="0" smtClean="0"/>
-              <a:t>enemies, but uses the light to temporarily stun enemies.</a:t>
-            </a:r>
+              <a:t>has three attacks – light, heavy and dodge.</a:t>
+            </a:r>
+            <a:endParaRPr lang="en-GB" dirty="0" smtClean="0"/>
           </a:p>
           <a:p>
             <a:pPr lvl="0"/>
             <a:r>
               <a:rPr lang="en-GB" dirty="0" smtClean="0"/>
-              <a:t>Through exploration and combat the player will receive new oils to change the colour of the light.</a:t>
-            </a:r>
+              <a:t>Through exploration and combat the player will receive new oils to change the colour of the </a:t>
+            </a:r>
+            <a:r>
+              <a:rPr lang="en-GB" dirty="0" smtClean="0"/>
+              <a:t>light, and the attack they ar</a:t>
+            </a:r>
+            <a:r>
+              <a:rPr lang="en-GB" dirty="0" smtClean="0"/>
+              <a:t>e using.</a:t>
+            </a:r>
+            <a:endParaRPr lang="en-GB" dirty="0" smtClean="0"/>
           </a:p>
           <a:p>
             <a:pPr lvl="0"/>
@@ -13649,153 +13979,6 @@
 </p:sld>
 </file>
 
-<file path=ppt/slides/slide9.xml><?xml version="1.0" encoding="utf-8"?>
-<p:sld xmlns:a="http://schemas.openxmlformats.org/drawingml/2006/main" xmlns:r="http://schemas.openxmlformats.org/officeDocument/2006/relationships" xmlns:p="http://schemas.openxmlformats.org/presentationml/2006/main">
-  <p:cSld>
-    <p:spTree>
-      <p:nvGrpSpPr>
-        <p:cNvPr id="1" name=""/>
-        <p:cNvGrpSpPr/>
-        <p:nvPr/>
-      </p:nvGrpSpPr>
-      <p:grpSpPr>
-        <a:xfrm>
-          <a:off x="0" y="0"/>
-          <a:ext cx="0" cy="0"/>
-          <a:chOff x="0" y="0"/>
-          <a:chExt cx="0" cy="0"/>
-        </a:xfrm>
-      </p:grpSpPr>
-      <p:sp>
-        <p:nvSpPr>
-          <p:cNvPr id="2" name="Title 1"/>
-          <p:cNvSpPr>
-            <a:spLocks noGrp="1"/>
-          </p:cNvSpPr>
-          <p:nvPr>
-            <p:ph type="title"/>
-          </p:nvPr>
-        </p:nvSpPr>
-        <p:spPr/>
-        <p:txBody>
-          <a:bodyPr/>
-          <a:lstStyle/>
-          <a:p>
-            <a:r>
-              <a:rPr lang="en-GB" dirty="0" smtClean="0"/>
-              <a:t>Combat</a:t>
-            </a:r>
-            <a:endParaRPr lang="en-GB" dirty="0"/>
-          </a:p>
-        </p:txBody>
-      </p:sp>
-      <p:sp>
-        <p:nvSpPr>
-          <p:cNvPr id="3" name="Content Placeholder 2"/>
-          <p:cNvSpPr>
-            <a:spLocks noGrp="1"/>
-          </p:cNvSpPr>
-          <p:nvPr>
-            <p:ph idx="1"/>
-          </p:nvPr>
-        </p:nvSpPr>
-        <p:spPr>
-          <a:xfrm>
-            <a:off x="1971088" y="2143219"/>
-            <a:ext cx="3222403" cy="3777622"/>
-          </a:xfrm>
-        </p:spPr>
-        <p:txBody>
-          <a:bodyPr/>
-          <a:lstStyle/>
-          <a:p>
-            <a:r>
-              <a:rPr lang="en-GB" dirty="0" smtClean="0"/>
-              <a:t>Three types of enemies:</a:t>
-            </a:r>
-          </a:p>
-          <a:p>
-            <a:pPr lvl="1"/>
-            <a:r>
-              <a:rPr lang="en-GB" dirty="0" smtClean="0"/>
-              <a:t>Patrolling enemies. These enemies traverse between set waypoints. They can be avoided without combat if the player is cautious.</a:t>
-            </a:r>
-          </a:p>
-        </p:txBody>
-      </p:sp>
-      <p:pic>
-        <p:nvPicPr>
-          <p:cNvPr id="4" name="Picture 3"/>
-          <p:cNvPicPr>
-            <a:picLocks noChangeAspect="1"/>
-          </p:cNvPicPr>
-          <p:nvPr/>
-        </p:nvPicPr>
-        <p:blipFill>
-          <a:blip r:embed="rId2">
-            <a:extLst>
-              <a:ext uri="{28A0092B-C50C-407E-A947-70E740481C1C}">
-                <a14:useLocalDpi xmlns:a14="http://schemas.microsoft.com/office/drawing/2010/main" val="0"/>
-              </a:ext>
-            </a:extLst>
-          </a:blip>
-          <a:stretch>
-            <a:fillRect/>
-          </a:stretch>
-        </p:blipFill>
-        <p:spPr>
-          <a:xfrm>
-            <a:off x="8155510" y="840302"/>
-            <a:ext cx="4036490" cy="5318758"/>
-          </a:xfrm>
-          <a:prstGeom prst="rect">
-            <a:avLst/>
-          </a:prstGeom>
-        </p:spPr>
-      </p:pic>
-      <p:pic>
-        <p:nvPicPr>
-          <p:cNvPr id="6" name="Picture 5"/>
-          <p:cNvPicPr>
-            <a:picLocks noChangeAspect="1"/>
-          </p:cNvPicPr>
-          <p:nvPr/>
-        </p:nvPicPr>
-        <p:blipFill>
-          <a:blip r:embed="rId3">
-            <a:extLst>
-              <a:ext uri="{28A0092B-C50C-407E-A947-70E740481C1C}">
-                <a14:useLocalDpi xmlns:a14="http://schemas.microsoft.com/office/drawing/2010/main" val="0"/>
-              </a:ext>
-            </a:extLst>
-          </a:blip>
-          <a:stretch>
-            <a:fillRect/>
-          </a:stretch>
-        </p:blipFill>
-        <p:spPr>
-          <a:xfrm>
-            <a:off x="5193491" y="840302"/>
-            <a:ext cx="2991801" cy="5318758"/>
-          </a:xfrm>
-          <a:prstGeom prst="rect">
-            <a:avLst/>
-          </a:prstGeom>
-        </p:spPr>
-      </p:pic>
-    </p:spTree>
-    <p:extLst>
-      <p:ext uri="{BB962C8B-B14F-4D97-AF65-F5344CB8AC3E}">
-        <p14:creationId xmlns:p14="http://schemas.microsoft.com/office/powerpoint/2010/main" val="3916771281"/>
-      </p:ext>
-    </p:extLst>
-  </p:cSld>
-  <p:clrMapOvr>
-    <a:masterClrMapping/>
-  </p:clrMapOvr>
-</p:sld>
-</file>
-
 <file path=ppt/theme/theme1.xml><?xml version="1.0" encoding="utf-8"?>
 <a:theme xmlns:a="http://schemas.openxmlformats.org/drawingml/2006/main" name="Wisp">
   <a:themeElements>
